--- a/0106.pptx
+++ b/0106.pptx
@@ -112,6 +112,11 @@
       </a:defRPr>
     </a:lvl9pPr>
   </p:defaultTextStyle>
+  <p:extLst>
+    <p:ext uri="{EFAFB233-063F-42B5-8137-9DF3F51BA10A}">
+      <p15:sldGuideLst xmlns:p15="http://schemas.microsoft.com/office/powerpoint/2012/main"/>
+    </p:ext>
+  </p:extLst>
 </p:presentation>
 </file>
 
@@ -4462,11 +4467,7 @@
             </a:r>
             <a:r>
               <a:rPr lang="en-US" altLang="zh-TW" dirty="0" smtClean="0"/>
-              <a:t>(</a:t>
-            </a:r>
-            <a:r>
-              <a:rPr lang="en-US" altLang="zh-TW" dirty="0" smtClean="0"/>
-              <a:t>2, 6, 7, 10, 11, 13, 15, 19, 23)</a:t>
+              <a:t>(2, 6, 7, 10, 11, 13, 15, 19, 23)</a:t>
             </a:r>
             <a:endParaRPr lang="zh-TW" altLang="en-US" dirty="0" smtClean="0"/>
           </a:p>
@@ -7294,11 +7295,7 @@
             </a:r>
             <a:r>
               <a:rPr lang="en-US" altLang="zh-TW" dirty="0" smtClean="0"/>
-              <a:t>(</a:t>
-            </a:r>
-            <a:r>
-              <a:rPr lang="en-US" altLang="zh-TW" dirty="0" smtClean="0"/>
-              <a:t>7, 10, 11, 13, 15, 19, 23)</a:t>
+              <a:t>(7, 10, 11, 13, 15, 19, 23)</a:t>
             </a:r>
             <a:endParaRPr lang="zh-TW" altLang="en-US" dirty="0" smtClean="0"/>
           </a:p>
@@ -10068,11 +10065,7 @@
             </a:r>
             <a:r>
               <a:rPr lang="zh-TW" altLang="en-US" dirty="0" smtClean="0"/>
-              <a:t>。</a:t>
-            </a:r>
-            <a:r>
-              <a:rPr lang="zh-TW" altLang="en-US" dirty="0" smtClean="0"/>
-              <a:t>剩下的邊依序為</a:t>
+              <a:t>。剩下的邊依序為</a:t>
             </a:r>
             <a:r>
               <a:rPr lang="en-US" altLang="zh-TW" dirty="0" smtClean="0"/>
@@ -10144,11 +10137,7 @@
             </a:r>
             <a:r>
               <a:rPr lang="en-US" altLang="zh-TW" dirty="0" smtClean="0"/>
-              <a:t>(</a:t>
-            </a:r>
-            <a:r>
-              <a:rPr lang="en-US" altLang="zh-TW" dirty="0" smtClean="0"/>
-              <a:t>13, 15, 19, 23)</a:t>
+              <a:t>(13, 15, 19, 23)</a:t>
             </a:r>
             <a:endParaRPr lang="zh-TW" altLang="en-US" dirty="0" smtClean="0"/>
           </a:p>
@@ -12956,11 +12945,7 @@
             </a:r>
             <a:r>
               <a:rPr lang="zh-TW" altLang="en-US" dirty="0" smtClean="0"/>
-              <a:t> 完成，被選出來的邊為</a:t>
-            </a:r>
-            <a:r>
-              <a:rPr lang="zh-TW" altLang="en-US" dirty="0" smtClean="0"/>
-              <a:t>：</a:t>
+              <a:t> 完成，被選出來的邊為：</a:t>
             </a:r>
             <a:r>
               <a:rPr lang="en-US" altLang="zh-TW" dirty="0" smtClean="0"/>
@@ -14489,11 +14474,7 @@
             </a:r>
             <a:r>
               <a:rPr lang="zh-TW" altLang="en-US" dirty="0" smtClean="0"/>
-              <a:t>，</a:t>
-            </a:r>
-            <a:r>
-              <a:rPr lang="zh-TW" altLang="en-US" dirty="0" smtClean="0"/>
-              <a:t>最小的邊為 </a:t>
+              <a:t>，最小的邊為 </a:t>
             </a:r>
             <a:r>
               <a:rPr lang="en-US" altLang="zh-TW" dirty="0" smtClean="0"/>
@@ -15970,7 +15951,6 @@
               <a:rPr lang="zh-TW" altLang="en-US" dirty="0" smtClean="0"/>
               <a:t>。</a:t>
             </a:r>
-            <a:endParaRPr lang="zh-TW" altLang="en-US" dirty="0" smtClean="0"/>
           </a:p>
         </p:txBody>
       </p:sp>
@@ -17394,7 +17374,6 @@
               <a:rPr lang="zh-TW" altLang="en-US" dirty="0" smtClean="0"/>
               <a:t>。</a:t>
             </a:r>
-            <a:endParaRPr lang="zh-TW" altLang="en-US" dirty="0" smtClean="0"/>
           </a:p>
         </p:txBody>
       </p:sp>
@@ -18839,15 +18818,7 @@
             </a:r>
             <a:r>
               <a:rPr lang="en-US" altLang="zh-TW" dirty="0" smtClean="0"/>
-              <a:t>(19, 23, 2, </a:t>
-            </a:r>
-            <a:r>
-              <a:rPr lang="en-US" altLang="zh-TW" dirty="0" smtClean="0"/>
-              <a:t>11</a:t>
-            </a:r>
-            <a:r>
-              <a:rPr lang="en-US" altLang="zh-TW" dirty="0" smtClean="0"/>
-              <a:t>)</a:t>
+              <a:t>(19, 23, 2, 11)</a:t>
             </a:r>
             <a:r>
               <a:rPr lang="zh-TW" altLang="en-US" dirty="0" smtClean="0"/>
@@ -18861,7 +18832,6 @@
               <a:rPr lang="zh-TW" altLang="en-US" dirty="0" smtClean="0"/>
               <a:t>。</a:t>
             </a:r>
-            <a:endParaRPr lang="zh-TW" altLang="en-US" dirty="0" smtClean="0"/>
           </a:p>
         </p:txBody>
       </p:sp>
@@ -20293,7 +20263,6 @@
               <a:rPr lang="zh-TW" altLang="en-US" dirty="0" smtClean="0"/>
               <a:t>。</a:t>
             </a:r>
-            <a:endParaRPr lang="zh-TW" altLang="en-US" dirty="0" smtClean="0"/>
           </a:p>
         </p:txBody>
       </p:sp>
@@ -21795,7 +21764,11 @@
             </a:r>
             <a:r>
               <a:rPr lang="en-US" altLang="zh-TW" dirty="0" smtClean="0"/>
-              <a:t>(19, 13, 23) </a:t>
+              <a:t>(19, </a:t>
+            </a:r>
+            <a:r>
+              <a:rPr lang="en-US" altLang="zh-TW" dirty="0" smtClean="0"/>
+              <a:t>23, 11) </a:t>
             </a:r>
             <a:r>
               <a:rPr lang="zh-TW" altLang="en-US" dirty="0" smtClean="0"/>
@@ -21803,7 +21776,7 @@
             </a:r>
             <a:r>
               <a:rPr lang="en-US" altLang="zh-TW" dirty="0" smtClean="0"/>
-              <a:t>13</a:t>
+              <a:t>11</a:t>
             </a:r>
             <a:r>
               <a:rPr lang="zh-TW" altLang="en-US" dirty="0" smtClean="0"/>
